--- a/ppt 16-9/1582.祢是如此爱我.pptx
+++ b/ppt 16-9/1582.祢是如此爱我.pptx
@@ -129,7 +129,7 @@
           <p:cNvPr id="2" name="标题 1">
             <a:extLst>
               <a:ext uri="{FF2B5EF4-FFF2-40B4-BE49-F238E27FC236}">
-                <a16:creationId xmlns:a16="http://schemas.microsoft.com/office/drawing/2014/main" id="{0637D8F4-D0B3-7EFC-5933-4AF26B1D96DC}"/>
+                <a16:creationId xmlns:a16="http://schemas.microsoft.com/office/drawing/2014/main" id="{2F02D95E-FDF3-C278-3DA6-4980C09DA819}"/>
               </a:ext>
             </a:extLst>
           </p:cNvPr>
@@ -166,7 +166,7 @@
           <p:cNvPr id="3" name="副标题 2">
             <a:extLst>
               <a:ext uri="{FF2B5EF4-FFF2-40B4-BE49-F238E27FC236}">
-                <a16:creationId xmlns:a16="http://schemas.microsoft.com/office/drawing/2014/main" id="{98F9DE6F-B64F-5B2F-55BC-63F83ED478AC}"/>
+                <a16:creationId xmlns:a16="http://schemas.microsoft.com/office/drawing/2014/main" id="{BE8ADA3D-F0F7-F1EB-45A0-94108B5DC405}"/>
               </a:ext>
             </a:extLst>
           </p:cNvPr>
@@ -236,7 +236,7 @@
           <p:cNvPr id="4" name="日期占位符 3">
             <a:extLst>
               <a:ext uri="{FF2B5EF4-FFF2-40B4-BE49-F238E27FC236}">
-                <a16:creationId xmlns:a16="http://schemas.microsoft.com/office/drawing/2014/main" id="{81DCF9D6-0969-6E18-A622-17D03F382903}"/>
+                <a16:creationId xmlns:a16="http://schemas.microsoft.com/office/drawing/2014/main" id="{0BFB4892-9455-217D-2659-C38C251C9493}"/>
               </a:ext>
             </a:extLst>
           </p:cNvPr>
@@ -252,7 +252,7 @@
           <a:bodyPr/>
           <a:lstStyle/>
           <a:p>
-            <a:fld id="{78AA799F-E79D-4DA7-88FD-D92E7336E1FB}" type="datetimeFigureOut">
+            <a:fld id="{A651D2E1-A43B-42A2-9504-B1DDED325FD7}" type="datetimeFigureOut">
               <a:rPr lang="zh-CN" altLang="en-US" smtClean="0"/>
               <a:t>2024/3/10</a:t>
             </a:fld>
@@ -265,7 +265,7 @@
           <p:cNvPr id="5" name="页脚占位符 4">
             <a:extLst>
               <a:ext uri="{FF2B5EF4-FFF2-40B4-BE49-F238E27FC236}">
-                <a16:creationId xmlns:a16="http://schemas.microsoft.com/office/drawing/2014/main" id="{8F81E60B-DA05-8A71-95AD-ECCB15CB47E1}"/>
+                <a16:creationId xmlns:a16="http://schemas.microsoft.com/office/drawing/2014/main" id="{9AD53959-FA1E-4AA9-25AF-8EFEEEF94BA6}"/>
               </a:ext>
             </a:extLst>
           </p:cNvPr>
@@ -290,7 +290,7 @@
           <p:cNvPr id="6" name="灯片编号占位符 5">
             <a:extLst>
               <a:ext uri="{FF2B5EF4-FFF2-40B4-BE49-F238E27FC236}">
-                <a16:creationId xmlns:a16="http://schemas.microsoft.com/office/drawing/2014/main" id="{DCB33335-CEC9-AE66-FE0B-9CE5652EF394}"/>
+                <a16:creationId xmlns:a16="http://schemas.microsoft.com/office/drawing/2014/main" id="{A3FE4A45-AB1A-B693-A2B2-7A9454AA8EF9}"/>
               </a:ext>
             </a:extLst>
           </p:cNvPr>
@@ -306,7 +306,7 @@
           <a:bodyPr/>
           <a:lstStyle/>
           <a:p>
-            <a:fld id="{1A600BAD-5015-41DA-A9A6-7A16AA67167A}" type="slidenum">
+            <a:fld id="{D14B727D-6788-4D11-92F9-01C77CA65102}" type="slidenum">
               <a:rPr lang="zh-CN" altLang="en-US" smtClean="0"/>
               <a:t>‹#›</a:t>
             </a:fld>
@@ -317,7 +317,7 @@
     </p:spTree>
     <p:extLst>
       <p:ext uri="{BB962C8B-B14F-4D97-AF65-F5344CB8AC3E}">
-        <p14:creationId xmlns:p14="http://schemas.microsoft.com/office/powerpoint/2010/main" val="64012285"/>
+        <p14:creationId xmlns:p14="http://schemas.microsoft.com/office/powerpoint/2010/main" val="2486786329"/>
       </p:ext>
     </p:extLst>
   </p:cSld>
@@ -349,7 +349,7 @@
           <p:cNvPr id="2" name="标题 1">
             <a:extLst>
               <a:ext uri="{FF2B5EF4-FFF2-40B4-BE49-F238E27FC236}">
-                <a16:creationId xmlns:a16="http://schemas.microsoft.com/office/drawing/2014/main" id="{91295540-FA96-E511-4E71-E35A0028EE74}"/>
+                <a16:creationId xmlns:a16="http://schemas.microsoft.com/office/drawing/2014/main" id="{340F4E6D-AFF3-507C-0261-14AC5587863B}"/>
               </a:ext>
             </a:extLst>
           </p:cNvPr>
@@ -377,7 +377,7 @@
           <p:cNvPr id="3" name="竖排文字占位符 2">
             <a:extLst>
               <a:ext uri="{FF2B5EF4-FFF2-40B4-BE49-F238E27FC236}">
-                <a16:creationId xmlns:a16="http://schemas.microsoft.com/office/drawing/2014/main" id="{25AD12A9-1776-A0A5-50A3-98A037CDA494}"/>
+                <a16:creationId xmlns:a16="http://schemas.microsoft.com/office/drawing/2014/main" id="{22181255-18A4-3C5D-C561-4A8B8B48042F}"/>
               </a:ext>
             </a:extLst>
           </p:cNvPr>
@@ -434,7 +434,7 @@
           <p:cNvPr id="4" name="日期占位符 3">
             <a:extLst>
               <a:ext uri="{FF2B5EF4-FFF2-40B4-BE49-F238E27FC236}">
-                <a16:creationId xmlns:a16="http://schemas.microsoft.com/office/drawing/2014/main" id="{75128C1E-7F0A-E5F3-CAEB-4B9F4953CA53}"/>
+                <a16:creationId xmlns:a16="http://schemas.microsoft.com/office/drawing/2014/main" id="{1FB649D7-AB4F-7DEA-443C-7134F97F3610}"/>
               </a:ext>
             </a:extLst>
           </p:cNvPr>
@@ -450,7 +450,7 @@
           <a:bodyPr/>
           <a:lstStyle/>
           <a:p>
-            <a:fld id="{78AA799F-E79D-4DA7-88FD-D92E7336E1FB}" type="datetimeFigureOut">
+            <a:fld id="{A651D2E1-A43B-42A2-9504-B1DDED325FD7}" type="datetimeFigureOut">
               <a:rPr lang="zh-CN" altLang="en-US" smtClean="0"/>
               <a:t>2024/3/10</a:t>
             </a:fld>
@@ -463,7 +463,7 @@
           <p:cNvPr id="5" name="页脚占位符 4">
             <a:extLst>
               <a:ext uri="{FF2B5EF4-FFF2-40B4-BE49-F238E27FC236}">
-                <a16:creationId xmlns:a16="http://schemas.microsoft.com/office/drawing/2014/main" id="{9FB97114-713C-72B9-B7CA-1D9374094942}"/>
+                <a16:creationId xmlns:a16="http://schemas.microsoft.com/office/drawing/2014/main" id="{6724FF1D-8B1B-9483-8DB4-F09DC7C63F0E}"/>
               </a:ext>
             </a:extLst>
           </p:cNvPr>
@@ -488,7 +488,7 @@
           <p:cNvPr id="6" name="灯片编号占位符 5">
             <a:extLst>
               <a:ext uri="{FF2B5EF4-FFF2-40B4-BE49-F238E27FC236}">
-                <a16:creationId xmlns:a16="http://schemas.microsoft.com/office/drawing/2014/main" id="{2567D4E9-06BB-BBA3-B63C-530695BFB810}"/>
+                <a16:creationId xmlns:a16="http://schemas.microsoft.com/office/drawing/2014/main" id="{93EB4227-711A-24C3-2187-80E6B72A1CB0}"/>
               </a:ext>
             </a:extLst>
           </p:cNvPr>
@@ -504,7 +504,7 @@
           <a:bodyPr/>
           <a:lstStyle/>
           <a:p>
-            <a:fld id="{1A600BAD-5015-41DA-A9A6-7A16AA67167A}" type="slidenum">
+            <a:fld id="{D14B727D-6788-4D11-92F9-01C77CA65102}" type="slidenum">
               <a:rPr lang="zh-CN" altLang="en-US" smtClean="0"/>
               <a:t>‹#›</a:t>
             </a:fld>
@@ -515,7 +515,7 @@
     </p:spTree>
     <p:extLst>
       <p:ext uri="{BB962C8B-B14F-4D97-AF65-F5344CB8AC3E}">
-        <p14:creationId xmlns:p14="http://schemas.microsoft.com/office/powerpoint/2010/main" val="1952436442"/>
+        <p14:creationId xmlns:p14="http://schemas.microsoft.com/office/powerpoint/2010/main" val="4164479173"/>
       </p:ext>
     </p:extLst>
   </p:cSld>
@@ -547,7 +547,7 @@
           <p:cNvPr id="2" name="竖排标题 1">
             <a:extLst>
               <a:ext uri="{FF2B5EF4-FFF2-40B4-BE49-F238E27FC236}">
-                <a16:creationId xmlns:a16="http://schemas.microsoft.com/office/drawing/2014/main" id="{70BE8015-271F-EDF6-7373-1A6CD2D73ADA}"/>
+                <a16:creationId xmlns:a16="http://schemas.microsoft.com/office/drawing/2014/main" id="{CF57F3BC-03C8-770D-3DAD-8241691A07AB}"/>
               </a:ext>
             </a:extLst>
           </p:cNvPr>
@@ -580,7 +580,7 @@
           <p:cNvPr id="3" name="竖排文字占位符 2">
             <a:extLst>
               <a:ext uri="{FF2B5EF4-FFF2-40B4-BE49-F238E27FC236}">
-                <a16:creationId xmlns:a16="http://schemas.microsoft.com/office/drawing/2014/main" id="{C6342CCC-3A4E-DF4C-6240-9646BD24D9D8}"/>
+                <a16:creationId xmlns:a16="http://schemas.microsoft.com/office/drawing/2014/main" id="{5BD8F911-1FFC-8D7E-0E2A-6C7774C65711}"/>
               </a:ext>
             </a:extLst>
           </p:cNvPr>
@@ -642,7 +642,7 @@
           <p:cNvPr id="4" name="日期占位符 3">
             <a:extLst>
               <a:ext uri="{FF2B5EF4-FFF2-40B4-BE49-F238E27FC236}">
-                <a16:creationId xmlns:a16="http://schemas.microsoft.com/office/drawing/2014/main" id="{E18B4390-0B68-D065-44E7-97AF149A42DC}"/>
+                <a16:creationId xmlns:a16="http://schemas.microsoft.com/office/drawing/2014/main" id="{A5931DDA-C8B7-3A8F-DCF1-8C99AF7BF281}"/>
               </a:ext>
             </a:extLst>
           </p:cNvPr>
@@ -658,7 +658,7 @@
           <a:bodyPr/>
           <a:lstStyle/>
           <a:p>
-            <a:fld id="{78AA799F-E79D-4DA7-88FD-D92E7336E1FB}" type="datetimeFigureOut">
+            <a:fld id="{A651D2E1-A43B-42A2-9504-B1DDED325FD7}" type="datetimeFigureOut">
               <a:rPr lang="zh-CN" altLang="en-US" smtClean="0"/>
               <a:t>2024/3/10</a:t>
             </a:fld>
@@ -671,7 +671,7 @@
           <p:cNvPr id="5" name="页脚占位符 4">
             <a:extLst>
               <a:ext uri="{FF2B5EF4-FFF2-40B4-BE49-F238E27FC236}">
-                <a16:creationId xmlns:a16="http://schemas.microsoft.com/office/drawing/2014/main" id="{01B4FB19-13A7-4581-E16E-004D420AA899}"/>
+                <a16:creationId xmlns:a16="http://schemas.microsoft.com/office/drawing/2014/main" id="{9C7DE39F-C628-43ED-FB5A-5D5BCA588F09}"/>
               </a:ext>
             </a:extLst>
           </p:cNvPr>
@@ -696,7 +696,7 @@
           <p:cNvPr id="6" name="灯片编号占位符 5">
             <a:extLst>
               <a:ext uri="{FF2B5EF4-FFF2-40B4-BE49-F238E27FC236}">
-                <a16:creationId xmlns:a16="http://schemas.microsoft.com/office/drawing/2014/main" id="{41A6C2B8-65BF-2B2B-E97C-63B66462190E}"/>
+                <a16:creationId xmlns:a16="http://schemas.microsoft.com/office/drawing/2014/main" id="{C9CB5CED-ADDC-04EA-CC7C-FA0345989F63}"/>
               </a:ext>
             </a:extLst>
           </p:cNvPr>
@@ -712,7 +712,7 @@
           <a:bodyPr/>
           <a:lstStyle/>
           <a:p>
-            <a:fld id="{1A600BAD-5015-41DA-A9A6-7A16AA67167A}" type="slidenum">
+            <a:fld id="{D14B727D-6788-4D11-92F9-01C77CA65102}" type="slidenum">
               <a:rPr lang="zh-CN" altLang="en-US" smtClean="0"/>
               <a:t>‹#›</a:t>
             </a:fld>
@@ -723,7 +723,7 @@
     </p:spTree>
     <p:extLst>
       <p:ext uri="{BB962C8B-B14F-4D97-AF65-F5344CB8AC3E}">
-        <p14:creationId xmlns:p14="http://schemas.microsoft.com/office/powerpoint/2010/main" val="4249822369"/>
+        <p14:creationId xmlns:p14="http://schemas.microsoft.com/office/powerpoint/2010/main" val="3984759255"/>
       </p:ext>
     </p:extLst>
   </p:cSld>
@@ -755,7 +755,7 @@
           <p:cNvPr id="2" name="标题 1">
             <a:extLst>
               <a:ext uri="{FF2B5EF4-FFF2-40B4-BE49-F238E27FC236}">
-                <a16:creationId xmlns:a16="http://schemas.microsoft.com/office/drawing/2014/main" id="{E3879585-DF67-061F-88D4-0DF7EDA830E8}"/>
+                <a16:creationId xmlns:a16="http://schemas.microsoft.com/office/drawing/2014/main" id="{79C49D23-E594-E095-85AB-A5D6F23F3E85}"/>
               </a:ext>
             </a:extLst>
           </p:cNvPr>
@@ -783,7 +783,7 @@
           <p:cNvPr id="3" name="内容占位符 2">
             <a:extLst>
               <a:ext uri="{FF2B5EF4-FFF2-40B4-BE49-F238E27FC236}">
-                <a16:creationId xmlns:a16="http://schemas.microsoft.com/office/drawing/2014/main" id="{A56945AF-2192-B667-ABAA-84DA5F757FFA}"/>
+                <a16:creationId xmlns:a16="http://schemas.microsoft.com/office/drawing/2014/main" id="{34B84727-D3E1-7447-BB7A-B0B346FF2D13}"/>
               </a:ext>
             </a:extLst>
           </p:cNvPr>
@@ -840,7 +840,7 @@
           <p:cNvPr id="4" name="日期占位符 3">
             <a:extLst>
               <a:ext uri="{FF2B5EF4-FFF2-40B4-BE49-F238E27FC236}">
-                <a16:creationId xmlns:a16="http://schemas.microsoft.com/office/drawing/2014/main" id="{A861DB6E-7687-53BD-8248-78685AB76FB8}"/>
+                <a16:creationId xmlns:a16="http://schemas.microsoft.com/office/drawing/2014/main" id="{ABEE6FCB-2D99-564C-4D58-FB7EAB537873}"/>
               </a:ext>
             </a:extLst>
           </p:cNvPr>
@@ -856,7 +856,7 @@
           <a:bodyPr/>
           <a:lstStyle/>
           <a:p>
-            <a:fld id="{78AA799F-E79D-4DA7-88FD-D92E7336E1FB}" type="datetimeFigureOut">
+            <a:fld id="{A651D2E1-A43B-42A2-9504-B1DDED325FD7}" type="datetimeFigureOut">
               <a:rPr lang="zh-CN" altLang="en-US" smtClean="0"/>
               <a:t>2024/3/10</a:t>
             </a:fld>
@@ -869,7 +869,7 @@
           <p:cNvPr id="5" name="页脚占位符 4">
             <a:extLst>
               <a:ext uri="{FF2B5EF4-FFF2-40B4-BE49-F238E27FC236}">
-                <a16:creationId xmlns:a16="http://schemas.microsoft.com/office/drawing/2014/main" id="{B0AF9F89-A43B-2352-B36C-36EF09E55CA1}"/>
+                <a16:creationId xmlns:a16="http://schemas.microsoft.com/office/drawing/2014/main" id="{AD8012C5-8670-B50E-EF9A-0219605C12A9}"/>
               </a:ext>
             </a:extLst>
           </p:cNvPr>
@@ -894,7 +894,7 @@
           <p:cNvPr id="6" name="灯片编号占位符 5">
             <a:extLst>
               <a:ext uri="{FF2B5EF4-FFF2-40B4-BE49-F238E27FC236}">
-                <a16:creationId xmlns:a16="http://schemas.microsoft.com/office/drawing/2014/main" id="{A699DCD5-6599-FAA4-2FEA-D643F8C28477}"/>
+                <a16:creationId xmlns:a16="http://schemas.microsoft.com/office/drawing/2014/main" id="{79BAF822-D178-2151-5452-5A390E620A9C}"/>
               </a:ext>
             </a:extLst>
           </p:cNvPr>
@@ -910,7 +910,7 @@
           <a:bodyPr/>
           <a:lstStyle/>
           <a:p>
-            <a:fld id="{1A600BAD-5015-41DA-A9A6-7A16AA67167A}" type="slidenum">
+            <a:fld id="{D14B727D-6788-4D11-92F9-01C77CA65102}" type="slidenum">
               <a:rPr lang="zh-CN" altLang="en-US" smtClean="0"/>
               <a:t>‹#›</a:t>
             </a:fld>
@@ -921,7 +921,7 @@
     </p:spTree>
     <p:extLst>
       <p:ext uri="{BB962C8B-B14F-4D97-AF65-F5344CB8AC3E}">
-        <p14:creationId xmlns:p14="http://schemas.microsoft.com/office/powerpoint/2010/main" val="1370907197"/>
+        <p14:creationId xmlns:p14="http://schemas.microsoft.com/office/powerpoint/2010/main" val="587188078"/>
       </p:ext>
     </p:extLst>
   </p:cSld>
@@ -953,7 +953,7 @@
           <p:cNvPr id="2" name="标题 1">
             <a:extLst>
               <a:ext uri="{FF2B5EF4-FFF2-40B4-BE49-F238E27FC236}">
-                <a16:creationId xmlns:a16="http://schemas.microsoft.com/office/drawing/2014/main" id="{DD2D2C6F-3603-F2B9-87EA-BB72A2DBE6B0}"/>
+                <a16:creationId xmlns:a16="http://schemas.microsoft.com/office/drawing/2014/main" id="{6FBAA034-D7A1-586F-4067-84ECBA922E91}"/>
               </a:ext>
             </a:extLst>
           </p:cNvPr>
@@ -990,7 +990,7 @@
           <p:cNvPr id="3" name="文本占位符 2">
             <a:extLst>
               <a:ext uri="{FF2B5EF4-FFF2-40B4-BE49-F238E27FC236}">
-                <a16:creationId xmlns:a16="http://schemas.microsoft.com/office/drawing/2014/main" id="{F4CC0E8A-E3D8-9FAB-E73C-182E01E4DDD5}"/>
+                <a16:creationId xmlns:a16="http://schemas.microsoft.com/office/drawing/2014/main" id="{1F77F464-63BD-4424-2207-28CF5C2B6598}"/>
               </a:ext>
             </a:extLst>
           </p:cNvPr>
@@ -1115,7 +1115,7 @@
           <p:cNvPr id="4" name="日期占位符 3">
             <a:extLst>
               <a:ext uri="{FF2B5EF4-FFF2-40B4-BE49-F238E27FC236}">
-                <a16:creationId xmlns:a16="http://schemas.microsoft.com/office/drawing/2014/main" id="{431A8A74-1A82-CF1A-B01A-15478C138507}"/>
+                <a16:creationId xmlns:a16="http://schemas.microsoft.com/office/drawing/2014/main" id="{046209FC-B45E-F5DA-F3A9-8C5A48F8BD22}"/>
               </a:ext>
             </a:extLst>
           </p:cNvPr>
@@ -1131,7 +1131,7 @@
           <a:bodyPr/>
           <a:lstStyle/>
           <a:p>
-            <a:fld id="{78AA799F-E79D-4DA7-88FD-D92E7336E1FB}" type="datetimeFigureOut">
+            <a:fld id="{A651D2E1-A43B-42A2-9504-B1DDED325FD7}" type="datetimeFigureOut">
               <a:rPr lang="zh-CN" altLang="en-US" smtClean="0"/>
               <a:t>2024/3/10</a:t>
             </a:fld>
@@ -1144,7 +1144,7 @@
           <p:cNvPr id="5" name="页脚占位符 4">
             <a:extLst>
               <a:ext uri="{FF2B5EF4-FFF2-40B4-BE49-F238E27FC236}">
-                <a16:creationId xmlns:a16="http://schemas.microsoft.com/office/drawing/2014/main" id="{EA3AC09C-423B-0DE9-386E-6B2FA06B8175}"/>
+                <a16:creationId xmlns:a16="http://schemas.microsoft.com/office/drawing/2014/main" id="{613FCC25-E10B-BD11-A6D9-A1D7AC828426}"/>
               </a:ext>
             </a:extLst>
           </p:cNvPr>
@@ -1169,7 +1169,7 @@
           <p:cNvPr id="6" name="灯片编号占位符 5">
             <a:extLst>
               <a:ext uri="{FF2B5EF4-FFF2-40B4-BE49-F238E27FC236}">
-                <a16:creationId xmlns:a16="http://schemas.microsoft.com/office/drawing/2014/main" id="{B9A76ECE-A42E-B3E7-7C8D-FBC8AB59933B}"/>
+                <a16:creationId xmlns:a16="http://schemas.microsoft.com/office/drawing/2014/main" id="{93993693-0128-EE27-ABD5-C2AE15881B1E}"/>
               </a:ext>
             </a:extLst>
           </p:cNvPr>
@@ -1185,7 +1185,7 @@
           <a:bodyPr/>
           <a:lstStyle/>
           <a:p>
-            <a:fld id="{1A600BAD-5015-41DA-A9A6-7A16AA67167A}" type="slidenum">
+            <a:fld id="{D14B727D-6788-4D11-92F9-01C77CA65102}" type="slidenum">
               <a:rPr lang="zh-CN" altLang="en-US" smtClean="0"/>
               <a:t>‹#›</a:t>
             </a:fld>
@@ -1196,7 +1196,7 @@
     </p:spTree>
     <p:extLst>
       <p:ext uri="{BB962C8B-B14F-4D97-AF65-F5344CB8AC3E}">
-        <p14:creationId xmlns:p14="http://schemas.microsoft.com/office/powerpoint/2010/main" val="2469859433"/>
+        <p14:creationId xmlns:p14="http://schemas.microsoft.com/office/powerpoint/2010/main" val="3599167880"/>
       </p:ext>
     </p:extLst>
   </p:cSld>
@@ -1228,7 +1228,7 @@
           <p:cNvPr id="2" name="标题 1">
             <a:extLst>
               <a:ext uri="{FF2B5EF4-FFF2-40B4-BE49-F238E27FC236}">
-                <a16:creationId xmlns:a16="http://schemas.microsoft.com/office/drawing/2014/main" id="{AF7D6BD8-084C-A4BA-BBAD-08E1C785A116}"/>
+                <a16:creationId xmlns:a16="http://schemas.microsoft.com/office/drawing/2014/main" id="{D663C5EE-D471-CA0C-B042-614CA504CC1C}"/>
               </a:ext>
             </a:extLst>
           </p:cNvPr>
@@ -1256,7 +1256,7 @@
           <p:cNvPr id="3" name="内容占位符 2">
             <a:extLst>
               <a:ext uri="{FF2B5EF4-FFF2-40B4-BE49-F238E27FC236}">
-                <a16:creationId xmlns:a16="http://schemas.microsoft.com/office/drawing/2014/main" id="{F4F1B663-8E7E-6305-4379-60A5D2DEF88E}"/>
+                <a16:creationId xmlns:a16="http://schemas.microsoft.com/office/drawing/2014/main" id="{9DC1B607-6DDF-2E23-175C-14CB6D4392D0}"/>
               </a:ext>
             </a:extLst>
           </p:cNvPr>
@@ -1318,7 +1318,7 @@
           <p:cNvPr id="4" name="内容占位符 3">
             <a:extLst>
               <a:ext uri="{FF2B5EF4-FFF2-40B4-BE49-F238E27FC236}">
-                <a16:creationId xmlns:a16="http://schemas.microsoft.com/office/drawing/2014/main" id="{22C67C07-73CC-F282-C91C-4BA85951D625}"/>
+                <a16:creationId xmlns:a16="http://schemas.microsoft.com/office/drawing/2014/main" id="{E032DC91-8716-4A79-7A57-BB091F48CED9}"/>
               </a:ext>
             </a:extLst>
           </p:cNvPr>
@@ -1380,7 +1380,7 @@
           <p:cNvPr id="5" name="日期占位符 4">
             <a:extLst>
               <a:ext uri="{FF2B5EF4-FFF2-40B4-BE49-F238E27FC236}">
-                <a16:creationId xmlns:a16="http://schemas.microsoft.com/office/drawing/2014/main" id="{3D3F6C12-65F9-9628-2381-16C686A03E35}"/>
+                <a16:creationId xmlns:a16="http://schemas.microsoft.com/office/drawing/2014/main" id="{81C5E72F-2752-B5FA-A689-75ABB29C5298}"/>
               </a:ext>
             </a:extLst>
           </p:cNvPr>
@@ -1396,7 +1396,7 @@
           <a:bodyPr/>
           <a:lstStyle/>
           <a:p>
-            <a:fld id="{78AA799F-E79D-4DA7-88FD-D92E7336E1FB}" type="datetimeFigureOut">
+            <a:fld id="{A651D2E1-A43B-42A2-9504-B1DDED325FD7}" type="datetimeFigureOut">
               <a:rPr lang="zh-CN" altLang="en-US" smtClean="0"/>
               <a:t>2024/3/10</a:t>
             </a:fld>
@@ -1409,7 +1409,7 @@
           <p:cNvPr id="6" name="页脚占位符 5">
             <a:extLst>
               <a:ext uri="{FF2B5EF4-FFF2-40B4-BE49-F238E27FC236}">
-                <a16:creationId xmlns:a16="http://schemas.microsoft.com/office/drawing/2014/main" id="{11F5A6F5-6E7C-0231-22ED-4F5FC42E208B}"/>
+                <a16:creationId xmlns:a16="http://schemas.microsoft.com/office/drawing/2014/main" id="{9727F8FB-ACDC-91EA-DAD6-C188F0F4F503}"/>
               </a:ext>
             </a:extLst>
           </p:cNvPr>
@@ -1434,7 +1434,7 @@
           <p:cNvPr id="7" name="灯片编号占位符 6">
             <a:extLst>
               <a:ext uri="{FF2B5EF4-FFF2-40B4-BE49-F238E27FC236}">
-                <a16:creationId xmlns:a16="http://schemas.microsoft.com/office/drawing/2014/main" id="{9ECFFE94-0994-D162-9598-C3F6F445F9DC}"/>
+                <a16:creationId xmlns:a16="http://schemas.microsoft.com/office/drawing/2014/main" id="{6ACFD3DD-97ED-C8B6-0BDE-D9170A8556EB}"/>
               </a:ext>
             </a:extLst>
           </p:cNvPr>
@@ -1450,7 +1450,7 @@
           <a:bodyPr/>
           <a:lstStyle/>
           <a:p>
-            <a:fld id="{1A600BAD-5015-41DA-A9A6-7A16AA67167A}" type="slidenum">
+            <a:fld id="{D14B727D-6788-4D11-92F9-01C77CA65102}" type="slidenum">
               <a:rPr lang="zh-CN" altLang="en-US" smtClean="0"/>
               <a:t>‹#›</a:t>
             </a:fld>
@@ -1461,7 +1461,7 @@
     </p:spTree>
     <p:extLst>
       <p:ext uri="{BB962C8B-B14F-4D97-AF65-F5344CB8AC3E}">
-        <p14:creationId xmlns:p14="http://schemas.microsoft.com/office/powerpoint/2010/main" val="4198874449"/>
+        <p14:creationId xmlns:p14="http://schemas.microsoft.com/office/powerpoint/2010/main" val="4007000390"/>
       </p:ext>
     </p:extLst>
   </p:cSld>
@@ -1493,7 +1493,7 @@
           <p:cNvPr id="2" name="标题 1">
             <a:extLst>
               <a:ext uri="{FF2B5EF4-FFF2-40B4-BE49-F238E27FC236}">
-                <a16:creationId xmlns:a16="http://schemas.microsoft.com/office/drawing/2014/main" id="{9F48B421-99FE-90FD-3DC1-7A49F4661FA0}"/>
+                <a16:creationId xmlns:a16="http://schemas.microsoft.com/office/drawing/2014/main" id="{6C7896D6-E6BD-630E-9F91-C11A54ADB997}"/>
               </a:ext>
             </a:extLst>
           </p:cNvPr>
@@ -1526,7 +1526,7 @@
           <p:cNvPr id="3" name="文本占位符 2">
             <a:extLst>
               <a:ext uri="{FF2B5EF4-FFF2-40B4-BE49-F238E27FC236}">
-                <a16:creationId xmlns:a16="http://schemas.microsoft.com/office/drawing/2014/main" id="{8485368A-210F-1C66-0B4B-8C8C76502E00}"/>
+                <a16:creationId xmlns:a16="http://schemas.microsoft.com/office/drawing/2014/main" id="{5932799A-5759-8A86-D280-871A36113754}"/>
               </a:ext>
             </a:extLst>
           </p:cNvPr>
@@ -1597,7 +1597,7 @@
           <p:cNvPr id="4" name="内容占位符 3">
             <a:extLst>
               <a:ext uri="{FF2B5EF4-FFF2-40B4-BE49-F238E27FC236}">
-                <a16:creationId xmlns:a16="http://schemas.microsoft.com/office/drawing/2014/main" id="{E5066E04-A231-C045-7B96-36F928BE4067}"/>
+                <a16:creationId xmlns:a16="http://schemas.microsoft.com/office/drawing/2014/main" id="{3D353DA5-2BBA-1959-78AF-8031495F394B}"/>
               </a:ext>
             </a:extLst>
           </p:cNvPr>
@@ -1659,7 +1659,7 @@
           <p:cNvPr id="5" name="文本占位符 4">
             <a:extLst>
               <a:ext uri="{FF2B5EF4-FFF2-40B4-BE49-F238E27FC236}">
-                <a16:creationId xmlns:a16="http://schemas.microsoft.com/office/drawing/2014/main" id="{AF27FCE3-3630-5BDB-3389-26B4598FF253}"/>
+                <a16:creationId xmlns:a16="http://schemas.microsoft.com/office/drawing/2014/main" id="{C36CC7AD-B430-4767-EA60-467D789DC3A6}"/>
               </a:ext>
             </a:extLst>
           </p:cNvPr>
@@ -1730,7 +1730,7 @@
           <p:cNvPr id="6" name="内容占位符 5">
             <a:extLst>
               <a:ext uri="{FF2B5EF4-FFF2-40B4-BE49-F238E27FC236}">
-                <a16:creationId xmlns:a16="http://schemas.microsoft.com/office/drawing/2014/main" id="{C81FDA05-1B09-F5E9-92DC-3160DA82C564}"/>
+                <a16:creationId xmlns:a16="http://schemas.microsoft.com/office/drawing/2014/main" id="{398C5A0D-1AD7-C7B9-E91B-2CEBBC2AFEBC}"/>
               </a:ext>
             </a:extLst>
           </p:cNvPr>
@@ -1792,7 +1792,7 @@
           <p:cNvPr id="7" name="日期占位符 6">
             <a:extLst>
               <a:ext uri="{FF2B5EF4-FFF2-40B4-BE49-F238E27FC236}">
-                <a16:creationId xmlns:a16="http://schemas.microsoft.com/office/drawing/2014/main" id="{38311CE4-CDA5-37B0-257C-10EF5EFE9B58}"/>
+                <a16:creationId xmlns:a16="http://schemas.microsoft.com/office/drawing/2014/main" id="{F56885B7-1D19-C52B-1199-8FDA636D6DB3}"/>
               </a:ext>
             </a:extLst>
           </p:cNvPr>
@@ -1808,7 +1808,7 @@
           <a:bodyPr/>
           <a:lstStyle/>
           <a:p>
-            <a:fld id="{78AA799F-E79D-4DA7-88FD-D92E7336E1FB}" type="datetimeFigureOut">
+            <a:fld id="{A651D2E1-A43B-42A2-9504-B1DDED325FD7}" type="datetimeFigureOut">
               <a:rPr lang="zh-CN" altLang="en-US" smtClean="0"/>
               <a:t>2024/3/10</a:t>
             </a:fld>
@@ -1821,7 +1821,7 @@
           <p:cNvPr id="8" name="页脚占位符 7">
             <a:extLst>
               <a:ext uri="{FF2B5EF4-FFF2-40B4-BE49-F238E27FC236}">
-                <a16:creationId xmlns:a16="http://schemas.microsoft.com/office/drawing/2014/main" id="{0DE9A6AB-7BE1-B849-57AC-F170940E3844}"/>
+                <a16:creationId xmlns:a16="http://schemas.microsoft.com/office/drawing/2014/main" id="{4EAEC4C9-F992-70F1-8F81-28A75D04064D}"/>
               </a:ext>
             </a:extLst>
           </p:cNvPr>
@@ -1846,7 +1846,7 @@
           <p:cNvPr id="9" name="灯片编号占位符 8">
             <a:extLst>
               <a:ext uri="{FF2B5EF4-FFF2-40B4-BE49-F238E27FC236}">
-                <a16:creationId xmlns:a16="http://schemas.microsoft.com/office/drawing/2014/main" id="{A6D5FBFF-6B4F-269B-1616-36B5A92E66F4}"/>
+                <a16:creationId xmlns:a16="http://schemas.microsoft.com/office/drawing/2014/main" id="{6636FF57-016E-4C85-2129-5B3332CB03E1}"/>
               </a:ext>
             </a:extLst>
           </p:cNvPr>
@@ -1862,7 +1862,7 @@
           <a:bodyPr/>
           <a:lstStyle/>
           <a:p>
-            <a:fld id="{1A600BAD-5015-41DA-A9A6-7A16AA67167A}" type="slidenum">
+            <a:fld id="{D14B727D-6788-4D11-92F9-01C77CA65102}" type="slidenum">
               <a:rPr lang="zh-CN" altLang="en-US" smtClean="0"/>
               <a:t>‹#›</a:t>
             </a:fld>
@@ -1873,7 +1873,7 @@
     </p:spTree>
     <p:extLst>
       <p:ext uri="{BB962C8B-B14F-4D97-AF65-F5344CB8AC3E}">
-        <p14:creationId xmlns:p14="http://schemas.microsoft.com/office/powerpoint/2010/main" val="3290196887"/>
+        <p14:creationId xmlns:p14="http://schemas.microsoft.com/office/powerpoint/2010/main" val="194201310"/>
       </p:ext>
     </p:extLst>
   </p:cSld>
@@ -1905,7 +1905,7 @@
           <p:cNvPr id="2" name="标题 1">
             <a:extLst>
               <a:ext uri="{FF2B5EF4-FFF2-40B4-BE49-F238E27FC236}">
-                <a16:creationId xmlns:a16="http://schemas.microsoft.com/office/drawing/2014/main" id="{6A3EB728-7AB9-0903-44AC-8D1B2D35DEE2}"/>
+                <a16:creationId xmlns:a16="http://schemas.microsoft.com/office/drawing/2014/main" id="{50B51361-0D52-CC86-54CF-7F74A5148BB0}"/>
               </a:ext>
             </a:extLst>
           </p:cNvPr>
@@ -1933,7 +1933,7 @@
           <p:cNvPr id="3" name="日期占位符 2">
             <a:extLst>
               <a:ext uri="{FF2B5EF4-FFF2-40B4-BE49-F238E27FC236}">
-                <a16:creationId xmlns:a16="http://schemas.microsoft.com/office/drawing/2014/main" id="{F1014A64-A719-CB42-4D55-503BE5C2CD03}"/>
+                <a16:creationId xmlns:a16="http://schemas.microsoft.com/office/drawing/2014/main" id="{F947D1A2-9A44-0B11-E3A2-25043F285D52}"/>
               </a:ext>
             </a:extLst>
           </p:cNvPr>
@@ -1949,7 +1949,7 @@
           <a:bodyPr/>
           <a:lstStyle/>
           <a:p>
-            <a:fld id="{78AA799F-E79D-4DA7-88FD-D92E7336E1FB}" type="datetimeFigureOut">
+            <a:fld id="{A651D2E1-A43B-42A2-9504-B1DDED325FD7}" type="datetimeFigureOut">
               <a:rPr lang="zh-CN" altLang="en-US" smtClean="0"/>
               <a:t>2024/3/10</a:t>
             </a:fld>
@@ -1962,7 +1962,7 @@
           <p:cNvPr id="4" name="页脚占位符 3">
             <a:extLst>
               <a:ext uri="{FF2B5EF4-FFF2-40B4-BE49-F238E27FC236}">
-                <a16:creationId xmlns:a16="http://schemas.microsoft.com/office/drawing/2014/main" id="{A8CB5293-7490-69B7-5CCE-0EC104EAD750}"/>
+                <a16:creationId xmlns:a16="http://schemas.microsoft.com/office/drawing/2014/main" id="{2ABCED3C-13B2-62EA-1764-3BDC08C9D701}"/>
               </a:ext>
             </a:extLst>
           </p:cNvPr>
@@ -1987,7 +1987,7 @@
           <p:cNvPr id="5" name="灯片编号占位符 4">
             <a:extLst>
               <a:ext uri="{FF2B5EF4-FFF2-40B4-BE49-F238E27FC236}">
-                <a16:creationId xmlns:a16="http://schemas.microsoft.com/office/drawing/2014/main" id="{956E6EEE-A7ED-D5E0-9A28-47B09EAF0586}"/>
+                <a16:creationId xmlns:a16="http://schemas.microsoft.com/office/drawing/2014/main" id="{D41BE435-F2F3-5CFC-4D69-7FF26648C3BF}"/>
               </a:ext>
             </a:extLst>
           </p:cNvPr>
@@ -2003,7 +2003,7 @@
           <a:bodyPr/>
           <a:lstStyle/>
           <a:p>
-            <a:fld id="{1A600BAD-5015-41DA-A9A6-7A16AA67167A}" type="slidenum">
+            <a:fld id="{D14B727D-6788-4D11-92F9-01C77CA65102}" type="slidenum">
               <a:rPr lang="zh-CN" altLang="en-US" smtClean="0"/>
               <a:t>‹#›</a:t>
             </a:fld>
@@ -2014,7 +2014,7 @@
     </p:spTree>
     <p:extLst>
       <p:ext uri="{BB962C8B-B14F-4D97-AF65-F5344CB8AC3E}">
-        <p14:creationId xmlns:p14="http://schemas.microsoft.com/office/powerpoint/2010/main" val="2356658802"/>
+        <p14:creationId xmlns:p14="http://schemas.microsoft.com/office/powerpoint/2010/main" val="110877117"/>
       </p:ext>
     </p:extLst>
   </p:cSld>
@@ -2046,7 +2046,7 @@
           <p:cNvPr id="2" name="日期占位符 1">
             <a:extLst>
               <a:ext uri="{FF2B5EF4-FFF2-40B4-BE49-F238E27FC236}">
-                <a16:creationId xmlns:a16="http://schemas.microsoft.com/office/drawing/2014/main" id="{AE108D26-33F8-026D-748F-A319E2329E31}"/>
+                <a16:creationId xmlns:a16="http://schemas.microsoft.com/office/drawing/2014/main" id="{168F8744-B8C6-D56D-31FE-28CCC172C633}"/>
               </a:ext>
             </a:extLst>
           </p:cNvPr>
@@ -2062,7 +2062,7 @@
           <a:bodyPr/>
           <a:lstStyle/>
           <a:p>
-            <a:fld id="{78AA799F-E79D-4DA7-88FD-D92E7336E1FB}" type="datetimeFigureOut">
+            <a:fld id="{A651D2E1-A43B-42A2-9504-B1DDED325FD7}" type="datetimeFigureOut">
               <a:rPr lang="zh-CN" altLang="en-US" smtClean="0"/>
               <a:t>2024/3/10</a:t>
             </a:fld>
@@ -2075,7 +2075,7 @@
           <p:cNvPr id="3" name="页脚占位符 2">
             <a:extLst>
               <a:ext uri="{FF2B5EF4-FFF2-40B4-BE49-F238E27FC236}">
-                <a16:creationId xmlns:a16="http://schemas.microsoft.com/office/drawing/2014/main" id="{455E36D1-4010-FA50-23A8-F03ADDF0C279}"/>
+                <a16:creationId xmlns:a16="http://schemas.microsoft.com/office/drawing/2014/main" id="{1E81E4E5-3342-B03E-75EB-15DBC7B6D9F7}"/>
               </a:ext>
             </a:extLst>
           </p:cNvPr>
@@ -2100,7 +2100,7 @@
           <p:cNvPr id="4" name="灯片编号占位符 3">
             <a:extLst>
               <a:ext uri="{FF2B5EF4-FFF2-40B4-BE49-F238E27FC236}">
-                <a16:creationId xmlns:a16="http://schemas.microsoft.com/office/drawing/2014/main" id="{C1F47E96-C3E9-889F-A0ED-1F0521985EC0}"/>
+                <a16:creationId xmlns:a16="http://schemas.microsoft.com/office/drawing/2014/main" id="{FE9B603A-97BD-FE0C-20C7-3FFBF6C78819}"/>
               </a:ext>
             </a:extLst>
           </p:cNvPr>
@@ -2116,7 +2116,7 @@
           <a:bodyPr/>
           <a:lstStyle/>
           <a:p>
-            <a:fld id="{1A600BAD-5015-41DA-A9A6-7A16AA67167A}" type="slidenum">
+            <a:fld id="{D14B727D-6788-4D11-92F9-01C77CA65102}" type="slidenum">
               <a:rPr lang="zh-CN" altLang="en-US" smtClean="0"/>
               <a:t>‹#›</a:t>
             </a:fld>
@@ -2127,7 +2127,7 @@
     </p:spTree>
     <p:extLst>
       <p:ext uri="{BB962C8B-B14F-4D97-AF65-F5344CB8AC3E}">
-        <p14:creationId xmlns:p14="http://schemas.microsoft.com/office/powerpoint/2010/main" val="3427515192"/>
+        <p14:creationId xmlns:p14="http://schemas.microsoft.com/office/powerpoint/2010/main" val="3126476266"/>
       </p:ext>
     </p:extLst>
   </p:cSld>
@@ -2159,7 +2159,7 @@
           <p:cNvPr id="2" name="标题 1">
             <a:extLst>
               <a:ext uri="{FF2B5EF4-FFF2-40B4-BE49-F238E27FC236}">
-                <a16:creationId xmlns:a16="http://schemas.microsoft.com/office/drawing/2014/main" id="{2B3B60B8-3531-DE8B-C1A6-8FF95AA99FA7}"/>
+                <a16:creationId xmlns:a16="http://schemas.microsoft.com/office/drawing/2014/main" id="{A1B1995A-F4C9-6897-8C56-9F1C335D5ED5}"/>
               </a:ext>
             </a:extLst>
           </p:cNvPr>
@@ -2196,7 +2196,7 @@
           <p:cNvPr id="3" name="内容占位符 2">
             <a:extLst>
               <a:ext uri="{FF2B5EF4-FFF2-40B4-BE49-F238E27FC236}">
-                <a16:creationId xmlns:a16="http://schemas.microsoft.com/office/drawing/2014/main" id="{68E17613-A29D-9AC6-BAC5-6DA3E9E4BFD6}"/>
+                <a16:creationId xmlns:a16="http://schemas.microsoft.com/office/drawing/2014/main" id="{06165EDB-91E3-9237-7A06-A6C4CE787C3E}"/>
               </a:ext>
             </a:extLst>
           </p:cNvPr>
@@ -2286,7 +2286,7 @@
           <p:cNvPr id="4" name="文本占位符 3">
             <a:extLst>
               <a:ext uri="{FF2B5EF4-FFF2-40B4-BE49-F238E27FC236}">
-                <a16:creationId xmlns:a16="http://schemas.microsoft.com/office/drawing/2014/main" id="{F55BD3EC-81A0-C532-16E1-F12491F93DE4}"/>
+                <a16:creationId xmlns:a16="http://schemas.microsoft.com/office/drawing/2014/main" id="{64EE14FE-4E07-BBE0-259D-45D67B29CA99}"/>
               </a:ext>
             </a:extLst>
           </p:cNvPr>
@@ -2357,7 +2357,7 @@
           <p:cNvPr id="5" name="日期占位符 4">
             <a:extLst>
               <a:ext uri="{FF2B5EF4-FFF2-40B4-BE49-F238E27FC236}">
-                <a16:creationId xmlns:a16="http://schemas.microsoft.com/office/drawing/2014/main" id="{3F270DE9-355C-6B4B-C282-0D8FD994ADFB}"/>
+                <a16:creationId xmlns:a16="http://schemas.microsoft.com/office/drawing/2014/main" id="{146AECF9-E00D-64D7-5518-3BF5F889B5CA}"/>
               </a:ext>
             </a:extLst>
           </p:cNvPr>
@@ -2373,7 +2373,7 @@
           <a:bodyPr/>
           <a:lstStyle/>
           <a:p>
-            <a:fld id="{78AA799F-E79D-4DA7-88FD-D92E7336E1FB}" type="datetimeFigureOut">
+            <a:fld id="{A651D2E1-A43B-42A2-9504-B1DDED325FD7}" type="datetimeFigureOut">
               <a:rPr lang="zh-CN" altLang="en-US" smtClean="0"/>
               <a:t>2024/3/10</a:t>
             </a:fld>
@@ -2386,7 +2386,7 @@
           <p:cNvPr id="6" name="页脚占位符 5">
             <a:extLst>
               <a:ext uri="{FF2B5EF4-FFF2-40B4-BE49-F238E27FC236}">
-                <a16:creationId xmlns:a16="http://schemas.microsoft.com/office/drawing/2014/main" id="{88DE91D0-BE54-CD9E-464C-389BC93C67CA}"/>
+                <a16:creationId xmlns:a16="http://schemas.microsoft.com/office/drawing/2014/main" id="{906799F3-3D08-80C6-A302-2627484BC393}"/>
               </a:ext>
             </a:extLst>
           </p:cNvPr>
@@ -2411,7 +2411,7 @@
           <p:cNvPr id="7" name="灯片编号占位符 6">
             <a:extLst>
               <a:ext uri="{FF2B5EF4-FFF2-40B4-BE49-F238E27FC236}">
-                <a16:creationId xmlns:a16="http://schemas.microsoft.com/office/drawing/2014/main" id="{C13725FF-CC64-8CF2-A082-CF94E8C5FA5E}"/>
+                <a16:creationId xmlns:a16="http://schemas.microsoft.com/office/drawing/2014/main" id="{631F3054-2DC0-DDD4-CEA3-63490CE76D05}"/>
               </a:ext>
             </a:extLst>
           </p:cNvPr>
@@ -2427,7 +2427,7 @@
           <a:bodyPr/>
           <a:lstStyle/>
           <a:p>
-            <a:fld id="{1A600BAD-5015-41DA-A9A6-7A16AA67167A}" type="slidenum">
+            <a:fld id="{D14B727D-6788-4D11-92F9-01C77CA65102}" type="slidenum">
               <a:rPr lang="zh-CN" altLang="en-US" smtClean="0"/>
               <a:t>‹#›</a:t>
             </a:fld>
@@ -2438,7 +2438,7 @@
     </p:spTree>
     <p:extLst>
       <p:ext uri="{BB962C8B-B14F-4D97-AF65-F5344CB8AC3E}">
-        <p14:creationId xmlns:p14="http://schemas.microsoft.com/office/powerpoint/2010/main" val="1320869925"/>
+        <p14:creationId xmlns:p14="http://schemas.microsoft.com/office/powerpoint/2010/main" val="3384232693"/>
       </p:ext>
     </p:extLst>
   </p:cSld>
@@ -2470,7 +2470,7 @@
           <p:cNvPr id="2" name="标题 1">
             <a:extLst>
               <a:ext uri="{FF2B5EF4-FFF2-40B4-BE49-F238E27FC236}">
-                <a16:creationId xmlns:a16="http://schemas.microsoft.com/office/drawing/2014/main" id="{36CFD0A5-2959-E148-8D11-998EF3FCAE0F}"/>
+                <a16:creationId xmlns:a16="http://schemas.microsoft.com/office/drawing/2014/main" id="{ADF7B747-6581-285A-38A4-2E1374604AB8}"/>
               </a:ext>
             </a:extLst>
           </p:cNvPr>
@@ -2507,7 +2507,7 @@
           <p:cNvPr id="3" name="图片占位符 2">
             <a:extLst>
               <a:ext uri="{FF2B5EF4-FFF2-40B4-BE49-F238E27FC236}">
-                <a16:creationId xmlns:a16="http://schemas.microsoft.com/office/drawing/2014/main" id="{7F1F66B6-B40B-9B75-9A75-36D605AE8784}"/>
+                <a16:creationId xmlns:a16="http://schemas.microsoft.com/office/drawing/2014/main" id="{BC935C72-C951-9BFA-C3B5-C6ABF56697B7}"/>
               </a:ext>
             </a:extLst>
           </p:cNvPr>
@@ -2574,7 +2574,7 @@
           <p:cNvPr id="4" name="文本占位符 3">
             <a:extLst>
               <a:ext uri="{FF2B5EF4-FFF2-40B4-BE49-F238E27FC236}">
-                <a16:creationId xmlns:a16="http://schemas.microsoft.com/office/drawing/2014/main" id="{F56A4267-EFC3-E478-ACEF-0162109E6D3D}"/>
+                <a16:creationId xmlns:a16="http://schemas.microsoft.com/office/drawing/2014/main" id="{A4E9884A-91D5-7831-073E-84D7B8D148E6}"/>
               </a:ext>
             </a:extLst>
           </p:cNvPr>
@@ -2645,7 +2645,7 @@
           <p:cNvPr id="5" name="日期占位符 4">
             <a:extLst>
               <a:ext uri="{FF2B5EF4-FFF2-40B4-BE49-F238E27FC236}">
-                <a16:creationId xmlns:a16="http://schemas.microsoft.com/office/drawing/2014/main" id="{65E26AC2-CC5C-3AAF-0733-C0DFAD086020}"/>
+                <a16:creationId xmlns:a16="http://schemas.microsoft.com/office/drawing/2014/main" id="{26ECA622-94E6-F12D-980D-6FF7C8597A16}"/>
               </a:ext>
             </a:extLst>
           </p:cNvPr>
@@ -2661,7 +2661,7 @@
           <a:bodyPr/>
           <a:lstStyle/>
           <a:p>
-            <a:fld id="{78AA799F-E79D-4DA7-88FD-D92E7336E1FB}" type="datetimeFigureOut">
+            <a:fld id="{A651D2E1-A43B-42A2-9504-B1DDED325FD7}" type="datetimeFigureOut">
               <a:rPr lang="zh-CN" altLang="en-US" smtClean="0"/>
               <a:t>2024/3/10</a:t>
             </a:fld>
@@ -2674,7 +2674,7 @@
           <p:cNvPr id="6" name="页脚占位符 5">
             <a:extLst>
               <a:ext uri="{FF2B5EF4-FFF2-40B4-BE49-F238E27FC236}">
-                <a16:creationId xmlns:a16="http://schemas.microsoft.com/office/drawing/2014/main" id="{DFF9C514-2B9E-B3BD-A130-0044B7DD1794}"/>
+                <a16:creationId xmlns:a16="http://schemas.microsoft.com/office/drawing/2014/main" id="{420F9499-80E2-65EA-00FE-2EFCE54D8D48}"/>
               </a:ext>
             </a:extLst>
           </p:cNvPr>
@@ -2699,7 +2699,7 @@
           <p:cNvPr id="7" name="灯片编号占位符 6">
             <a:extLst>
               <a:ext uri="{FF2B5EF4-FFF2-40B4-BE49-F238E27FC236}">
-                <a16:creationId xmlns:a16="http://schemas.microsoft.com/office/drawing/2014/main" id="{4F3B2297-B492-D3A5-039E-DEC50973286F}"/>
+                <a16:creationId xmlns:a16="http://schemas.microsoft.com/office/drawing/2014/main" id="{5CF0EC5D-1B42-0759-335F-F862A91F4B70}"/>
               </a:ext>
             </a:extLst>
           </p:cNvPr>
@@ -2715,7 +2715,7 @@
           <a:bodyPr/>
           <a:lstStyle/>
           <a:p>
-            <a:fld id="{1A600BAD-5015-41DA-A9A6-7A16AA67167A}" type="slidenum">
+            <a:fld id="{D14B727D-6788-4D11-92F9-01C77CA65102}" type="slidenum">
               <a:rPr lang="zh-CN" altLang="en-US" smtClean="0"/>
               <a:t>‹#›</a:t>
             </a:fld>
@@ -2726,7 +2726,7 @@
     </p:spTree>
     <p:extLst>
       <p:ext uri="{BB962C8B-B14F-4D97-AF65-F5344CB8AC3E}">
-        <p14:creationId xmlns:p14="http://schemas.microsoft.com/office/powerpoint/2010/main" val="2892026376"/>
+        <p14:creationId xmlns:p14="http://schemas.microsoft.com/office/powerpoint/2010/main" val="3198901852"/>
       </p:ext>
     </p:extLst>
   </p:cSld>
@@ -2763,7 +2763,7 @@
           <p:cNvPr id="2" name="标题占位符 1">
             <a:extLst>
               <a:ext uri="{FF2B5EF4-FFF2-40B4-BE49-F238E27FC236}">
-                <a16:creationId xmlns:a16="http://schemas.microsoft.com/office/drawing/2014/main" id="{FFCEC1BB-AB7D-5AA8-DBEC-1ED2F2FB07BD}"/>
+                <a16:creationId xmlns:a16="http://schemas.microsoft.com/office/drawing/2014/main" id="{DA9E7DC1-4A11-C972-1A28-25D9A93604B9}"/>
               </a:ext>
             </a:extLst>
           </p:cNvPr>
@@ -2801,7 +2801,7 @@
           <p:cNvPr id="3" name="文本占位符 2">
             <a:extLst>
               <a:ext uri="{FF2B5EF4-FFF2-40B4-BE49-F238E27FC236}">
-                <a16:creationId xmlns:a16="http://schemas.microsoft.com/office/drawing/2014/main" id="{81BF11AF-3695-4C89-3BFB-E0DBCA95D653}"/>
+                <a16:creationId xmlns:a16="http://schemas.microsoft.com/office/drawing/2014/main" id="{5ADB0C02-2227-94A0-0C59-C2EC92DDF81B}"/>
               </a:ext>
             </a:extLst>
           </p:cNvPr>
@@ -2868,7 +2868,7 @@
           <p:cNvPr id="4" name="日期占位符 3">
             <a:extLst>
               <a:ext uri="{FF2B5EF4-FFF2-40B4-BE49-F238E27FC236}">
-                <a16:creationId xmlns:a16="http://schemas.microsoft.com/office/drawing/2014/main" id="{7BAA25BA-D40F-31F5-B3AC-137FCB77F4DE}"/>
+                <a16:creationId xmlns:a16="http://schemas.microsoft.com/office/drawing/2014/main" id="{14360A65-29EF-509D-45A3-46148F38FCA2}"/>
               </a:ext>
             </a:extLst>
           </p:cNvPr>
@@ -2902,7 +2902,7 @@
             </a:lvl1pPr>
           </a:lstStyle>
           <a:p>
-            <a:fld id="{78AA799F-E79D-4DA7-88FD-D92E7336E1FB}" type="datetimeFigureOut">
+            <a:fld id="{A651D2E1-A43B-42A2-9504-B1DDED325FD7}" type="datetimeFigureOut">
               <a:rPr lang="zh-CN" altLang="en-US" smtClean="0"/>
               <a:t>2024/3/10</a:t>
             </a:fld>
@@ -2915,7 +2915,7 @@
           <p:cNvPr id="5" name="页脚占位符 4">
             <a:extLst>
               <a:ext uri="{FF2B5EF4-FFF2-40B4-BE49-F238E27FC236}">
-                <a16:creationId xmlns:a16="http://schemas.microsoft.com/office/drawing/2014/main" id="{5B2F94EE-402C-0209-5F5C-C0A5F986E6F8}"/>
+                <a16:creationId xmlns:a16="http://schemas.microsoft.com/office/drawing/2014/main" id="{0BCE0156-5CF9-8A71-1A89-24D6CA9D1102}"/>
               </a:ext>
             </a:extLst>
           </p:cNvPr>
@@ -2958,7 +2958,7 @@
           <p:cNvPr id="6" name="灯片编号占位符 5">
             <a:extLst>
               <a:ext uri="{FF2B5EF4-FFF2-40B4-BE49-F238E27FC236}">
-                <a16:creationId xmlns:a16="http://schemas.microsoft.com/office/drawing/2014/main" id="{F8E97BCF-A20A-47DF-2A4C-4B39EA1B60E1}"/>
+                <a16:creationId xmlns:a16="http://schemas.microsoft.com/office/drawing/2014/main" id="{B3AA0936-11B0-C169-6512-27DB791D1CCB}"/>
               </a:ext>
             </a:extLst>
           </p:cNvPr>
@@ -2992,7 +2992,7 @@
             </a:lvl1pPr>
           </a:lstStyle>
           <a:p>
-            <a:fld id="{1A600BAD-5015-41DA-A9A6-7A16AA67167A}" type="slidenum">
+            <a:fld id="{D14B727D-6788-4D11-92F9-01C77CA65102}" type="slidenum">
               <a:rPr lang="zh-CN" altLang="en-US" smtClean="0"/>
               <a:t>‹#›</a:t>
             </a:fld>
@@ -3003,7 +3003,7 @@
     </p:spTree>
     <p:extLst>
       <p:ext uri="{BB962C8B-B14F-4D97-AF65-F5344CB8AC3E}">
-        <p14:creationId xmlns:p14="http://schemas.microsoft.com/office/powerpoint/2010/main" val="310677494"/>
+        <p14:creationId xmlns:p14="http://schemas.microsoft.com/office/powerpoint/2010/main" val="1424673601"/>
       </p:ext>
     </p:extLst>
   </p:cSld>
